--- a/Rubio_Tello_Tesis-Presentación.pptx
+++ b/Rubio_Tello_Tesis-Presentación.pptx
@@ -5,7 +5,7 @@
     <p:sldMasterId id="2147483648" r:id="rId1"/>
   </p:sldMasterIdLst>
   <p:notesMasterIdLst>
-    <p:notesMasterId r:id="rId28"/>
+    <p:notesMasterId r:id="rId32"/>
   </p:notesMasterIdLst>
   <p:sldIdLst>
     <p:sldId id="256" r:id="rId2"/>
@@ -34,6 +34,10 @@
     <p:sldId id="279" r:id="rId25"/>
     <p:sldId id="280" r:id="rId26"/>
     <p:sldId id="281" r:id="rId27"/>
+    <p:sldId id="282" r:id="rId28"/>
+    <p:sldId id="283" r:id="rId29"/>
+    <p:sldId id="284" r:id="rId30"/>
+    <p:sldId id="285" r:id="rId31"/>
   </p:sldIdLst>
   <p:sldSz cx="12192000" cy="6858000"/>
   <p:notesSz cx="6858000" cy="9144000"/>
@@ -174,9 +178,17 @@
           </p14:sldIdLst>
         </p14:section>
         <p14:section name="Análisis de Requisitos" id="{295A0FDC-BB01-400A-935D-AD6FA5DE190E}">
-          <p14:sldIdLst/>
+          <p14:sldIdLst>
+            <p14:sldId id="282"/>
+            <p14:sldId id="283"/>
+            <p14:sldId id="284"/>
+            <p14:sldId id="285"/>
+          </p14:sldIdLst>
         </p14:section>
       </p14:sectionLst>
+    </p:ext>
+    <p:ext uri="{EFAFB233-063F-42B5-8137-9DF3F51BA10A}">
+      <p15:sldGuideLst xmlns:p15="http://schemas.microsoft.com/office/powerpoint/2012/main"/>
     </p:ext>
   </p:extLst>
 </p:presentation>
@@ -264,7 +276,7 @@
           <a:p>
             <a:fld id="{A6A7749F-260D-4DAC-BEF5-7EE976993317}" type="datetimeFigureOut">
               <a:rPr lang="es-EC" smtClean="0"/>
-              <a:t>4/11/2015</a:t>
+              <a:t>10/11/2015</a:t>
             </a:fld>
             <a:endParaRPr lang="es-EC"/>
           </a:p>
@@ -1910,6 +1922,130 @@
 </p:notes>
 </file>
 
+<file path=ppt/notesSlides/notesSlide19.xml><?xml version="1.0" encoding="utf-8"?>
+<p:notes xmlns:a="http://schemas.openxmlformats.org/drawingml/2006/main" xmlns:r="http://schemas.openxmlformats.org/officeDocument/2006/relationships" xmlns:p="http://schemas.openxmlformats.org/presentationml/2006/main">
+  <p:cSld>
+    <p:spTree>
+      <p:nvGrpSpPr>
+        <p:cNvPr id="1" name=""/>
+        <p:cNvGrpSpPr/>
+        <p:nvPr/>
+      </p:nvGrpSpPr>
+      <p:grpSpPr>
+        <a:xfrm>
+          <a:off x="0" y="0"/>
+          <a:ext cx="0" cy="0"/>
+          <a:chOff x="0" y="0"/>
+          <a:chExt cx="0" cy="0"/>
+        </a:xfrm>
+      </p:grpSpPr>
+      <p:sp>
+        <p:nvSpPr>
+          <p:cNvPr id="2" name="Marcador de imagen de diapositiva 1"/>
+          <p:cNvSpPr>
+            <a:spLocks noGrp="1" noRot="1" noChangeAspect="1"/>
+          </p:cNvSpPr>
+          <p:nvPr>
+            <p:ph type="sldImg"/>
+          </p:nvPr>
+        </p:nvSpPr>
+        <p:spPr/>
+      </p:sp>
+      <p:sp>
+        <p:nvSpPr>
+          <p:cNvPr id="3" name="Marcador de notas 2"/>
+          <p:cNvSpPr>
+            <a:spLocks noGrp="1"/>
+          </p:cNvSpPr>
+          <p:nvPr>
+            <p:ph type="body" idx="1"/>
+          </p:nvPr>
+        </p:nvSpPr>
+        <p:spPr/>
+        <p:txBody>
+          <a:bodyPr/>
+          <a:lstStyle/>
+          <a:p>
+            <a:pPr marL="514350" indent="-514350">
+              <a:buFont typeface="+mj-lt"/>
+              <a:buAutoNum type="alphaLcParenR"/>
+            </a:pPr>
+            <a:r>
+              <a:rPr lang="es-EC" dirty="0" smtClean="0"/>
+              <a:t>Se deberá implementar los componentes básicos que conforman el DDS, tales como el publicador, suscriptor y el topic.</a:t>
+            </a:r>
+          </a:p>
+          <a:p>
+            <a:pPr marL="514350" indent="-514350">
+              <a:buFont typeface="+mj-lt"/>
+              <a:buAutoNum type="alphaLcParenR"/>
+            </a:pPr>
+            <a:r>
+              <a:rPr lang="es-EC" dirty="0" smtClean="0"/>
+              <a:t>Se deberá implementar los mecanismos y técnicas para le alcance de la información, es decir se deberá organizar los datos dentro de cada dominio.</a:t>
+            </a:r>
+          </a:p>
+          <a:p>
+            <a:pPr marL="514350" indent="-514350">
+              <a:buFont typeface="+mj-lt"/>
+              <a:buAutoNum type="alphaLcParenR"/>
+            </a:pPr>
+            <a:r>
+              <a:rPr lang="es-EC" dirty="0" smtClean="0"/>
+              <a:t>Se deberá implementar los mecanismos de Lectura y Escritura de datos, y el ciclo de vida de los Topic.</a:t>
+            </a:r>
+          </a:p>
+          <a:p>
+            <a:pPr marL="514350" indent="-514350">
+              <a:buFont typeface="+mj-lt"/>
+              <a:buAutoNum type="alphaLcParenR"/>
+            </a:pPr>
+            <a:r>
+              <a:rPr lang="es-EC" dirty="0" smtClean="0"/>
+              <a:t>Se deberá implementar los componentes necesarios del protocolo RTPS y el mecanismo de descubrimiento proporcionado por el mismo.</a:t>
+            </a:r>
+          </a:p>
+          <a:p>
+            <a:endParaRPr lang="es-EC" dirty="0"/>
+          </a:p>
+        </p:txBody>
+      </p:sp>
+      <p:sp>
+        <p:nvSpPr>
+          <p:cNvPr id="4" name="Marcador de número de diapositiva 3"/>
+          <p:cNvSpPr>
+            <a:spLocks noGrp="1"/>
+          </p:cNvSpPr>
+          <p:nvPr>
+            <p:ph type="sldNum" sz="quarter" idx="10"/>
+          </p:nvPr>
+        </p:nvSpPr>
+        <p:spPr/>
+        <p:txBody>
+          <a:bodyPr/>
+          <a:lstStyle/>
+          <a:p>
+            <a:fld id="{405BA957-0A97-4FE0-BF54-83D9AC8FEEA3}" type="slidenum">
+              <a:rPr lang="es-EC" smtClean="0"/>
+              <a:t>27</a:t>
+            </a:fld>
+            <a:endParaRPr lang="es-EC"/>
+          </a:p>
+        </p:txBody>
+      </p:sp>
+    </p:spTree>
+    <p:extLst>
+      <p:ext uri="{BB962C8B-B14F-4D97-AF65-F5344CB8AC3E}">
+        <p14:creationId xmlns:p14="http://schemas.microsoft.com/office/powerpoint/2010/main" val="123798009"/>
+      </p:ext>
+    </p:extLst>
+  </p:cSld>
+  <p:clrMapOvr>
+    <a:masterClrMapping/>
+  </p:clrMapOvr>
+</p:notes>
+</file>
+
 <file path=ppt/notesSlides/notesSlide2.xml><?xml version="1.0" encoding="utf-8"?>
 <p:notes xmlns:a="http://schemas.openxmlformats.org/drawingml/2006/main" xmlns:r="http://schemas.openxmlformats.org/officeDocument/2006/relationships" xmlns:p="http://schemas.openxmlformats.org/presentationml/2006/main">
   <p:cSld>
@@ -2206,6 +2342,126 @@
     <p:extLst>
       <p:ext uri="{BB962C8B-B14F-4D97-AF65-F5344CB8AC3E}">
         <p14:creationId xmlns:p14="http://schemas.microsoft.com/office/powerpoint/2010/main" val="1139614713"/>
+      </p:ext>
+    </p:extLst>
+  </p:cSld>
+  <p:clrMapOvr>
+    <a:masterClrMapping/>
+  </p:clrMapOvr>
+</p:notes>
+</file>
+
+<file path=ppt/notesSlides/notesSlide20.xml><?xml version="1.0" encoding="utf-8"?>
+<p:notes xmlns:a="http://schemas.openxmlformats.org/drawingml/2006/main" xmlns:r="http://schemas.openxmlformats.org/officeDocument/2006/relationships" xmlns:p="http://schemas.openxmlformats.org/presentationml/2006/main">
+  <p:cSld>
+    <p:spTree>
+      <p:nvGrpSpPr>
+        <p:cNvPr id="1" name=""/>
+        <p:cNvGrpSpPr/>
+        <p:nvPr/>
+      </p:nvGrpSpPr>
+      <p:grpSpPr>
+        <a:xfrm>
+          <a:off x="0" y="0"/>
+          <a:ext cx="0" cy="0"/>
+          <a:chOff x="0" y="0"/>
+          <a:chExt cx="0" cy="0"/>
+        </a:xfrm>
+      </p:grpSpPr>
+      <p:sp>
+        <p:nvSpPr>
+          <p:cNvPr id="2" name="Marcador de imagen de diapositiva 1"/>
+          <p:cNvSpPr>
+            <a:spLocks noGrp="1" noRot="1" noChangeAspect="1"/>
+          </p:cNvSpPr>
+          <p:nvPr>
+            <p:ph type="sldImg"/>
+          </p:nvPr>
+        </p:nvSpPr>
+        <p:spPr/>
+      </p:sp>
+      <p:sp>
+        <p:nvSpPr>
+          <p:cNvPr id="3" name="Marcador de notas 2"/>
+          <p:cNvSpPr>
+            <a:spLocks noGrp="1"/>
+          </p:cNvSpPr>
+          <p:nvPr>
+            <p:ph type="body" idx="1"/>
+          </p:nvPr>
+        </p:nvSpPr>
+        <p:spPr/>
+        <p:txBody>
+          <a:bodyPr/>
+          <a:lstStyle/>
+          <a:p>
+            <a:r>
+              <a:rPr lang="es-EC" sz="1200" kern="1200" dirty="0" smtClean="0">
+                <a:solidFill>
+                  <a:schemeClr val="tx1"/>
+                </a:solidFill>
+                <a:effectLst/>
+                <a:latin typeface="+mn-lt"/>
+                <a:ea typeface="+mn-ea"/>
+                <a:cs typeface="+mn-cs"/>
+              </a:rPr>
+              <a:t>Un </a:t>
+            </a:r>
+            <a:r>
+              <a:rPr lang="es-EC" sz="1200" b="1" kern="1200" dirty="0" smtClean="0">
+                <a:solidFill>
+                  <a:schemeClr val="tx1"/>
+                </a:solidFill>
+                <a:effectLst/>
+                <a:latin typeface="+mn-lt"/>
+                <a:ea typeface="+mn-ea"/>
+                <a:cs typeface="+mn-cs"/>
+              </a:rPr>
+              <a:t>Topic </a:t>
+            </a:r>
+            <a:r>
+              <a:rPr lang="es-EC" sz="1200" kern="1200" dirty="0" smtClean="0">
+                <a:solidFill>
+                  <a:schemeClr val="tx1"/>
+                </a:solidFill>
+                <a:effectLst/>
+                <a:latin typeface="+mn-lt"/>
+                <a:ea typeface="+mn-ea"/>
+                <a:cs typeface="+mn-cs"/>
+              </a:rPr>
+              <a:t>representará la unidad de información que puede ser producida o consumida; estará compuesta por un tipo, un nombre único y un conjunto de políticas de calidad de servicio</a:t>
+            </a:r>
+            <a:endParaRPr lang="es-EC" dirty="0"/>
+          </a:p>
+        </p:txBody>
+      </p:sp>
+      <p:sp>
+        <p:nvSpPr>
+          <p:cNvPr id="4" name="Marcador de número de diapositiva 3"/>
+          <p:cNvSpPr>
+            <a:spLocks noGrp="1"/>
+          </p:cNvSpPr>
+          <p:nvPr>
+            <p:ph type="sldNum" sz="quarter" idx="10"/>
+          </p:nvPr>
+        </p:nvSpPr>
+        <p:spPr/>
+        <p:txBody>
+          <a:bodyPr/>
+          <a:lstStyle/>
+          <a:p>
+            <a:fld id="{405BA957-0A97-4FE0-BF54-83D9AC8FEEA3}" type="slidenum">
+              <a:rPr lang="es-EC" smtClean="0"/>
+              <a:t>28</a:t>
+            </a:fld>
+            <a:endParaRPr lang="es-EC"/>
+          </a:p>
+        </p:txBody>
+      </p:sp>
+    </p:spTree>
+    <p:extLst>
+      <p:ext uri="{BB962C8B-B14F-4D97-AF65-F5344CB8AC3E}">
+        <p14:creationId xmlns:p14="http://schemas.microsoft.com/office/powerpoint/2010/main" val="3319892169"/>
       </p:ext>
     </p:extLst>
   </p:cSld>
@@ -3479,7 +3735,7 @@
           <a:p>
             <a:fld id="{919AEA9A-171F-4352-A2D5-B0CCB9A41E38}" type="datetimeFigureOut">
               <a:rPr lang="fr-FR" smtClean="0"/>
-              <a:t>04/11/2015</a:t>
+              <a:t>10/11/2015</a:t>
             </a:fld>
             <a:endParaRPr lang="fr-FR"/>
           </a:p>
@@ -3649,7 +3905,7 @@
           <a:p>
             <a:fld id="{919AEA9A-171F-4352-A2D5-B0CCB9A41E38}" type="datetimeFigureOut">
               <a:rPr lang="fr-FR" smtClean="0"/>
-              <a:t>04/11/2015</a:t>
+              <a:t>10/11/2015</a:t>
             </a:fld>
             <a:endParaRPr lang="fr-FR"/>
           </a:p>
@@ -3829,7 +4085,7 @@
           <a:p>
             <a:fld id="{919AEA9A-171F-4352-A2D5-B0CCB9A41E38}" type="datetimeFigureOut">
               <a:rPr lang="fr-FR" smtClean="0"/>
-              <a:t>04/11/2015</a:t>
+              <a:t>10/11/2015</a:t>
             </a:fld>
             <a:endParaRPr lang="fr-FR"/>
           </a:p>
@@ -3999,7 +4255,7 @@
           <a:p>
             <a:fld id="{919AEA9A-171F-4352-A2D5-B0CCB9A41E38}" type="datetimeFigureOut">
               <a:rPr lang="fr-FR" smtClean="0"/>
-              <a:t>04/11/2015</a:t>
+              <a:t>10/11/2015</a:t>
             </a:fld>
             <a:endParaRPr lang="fr-FR"/>
           </a:p>
@@ -4245,7 +4501,7 @@
           <a:p>
             <a:fld id="{919AEA9A-171F-4352-A2D5-B0CCB9A41E38}" type="datetimeFigureOut">
               <a:rPr lang="fr-FR" smtClean="0"/>
-              <a:t>04/11/2015</a:t>
+              <a:t>10/11/2015</a:t>
             </a:fld>
             <a:endParaRPr lang="fr-FR"/>
           </a:p>
@@ -4477,7 +4733,7 @@
           <a:p>
             <a:fld id="{919AEA9A-171F-4352-A2D5-B0CCB9A41E38}" type="datetimeFigureOut">
               <a:rPr lang="fr-FR" smtClean="0"/>
-              <a:t>04/11/2015</a:t>
+              <a:t>10/11/2015</a:t>
             </a:fld>
             <a:endParaRPr lang="fr-FR"/>
           </a:p>
@@ -4844,7 +5100,7 @@
           <a:p>
             <a:fld id="{919AEA9A-171F-4352-A2D5-B0CCB9A41E38}" type="datetimeFigureOut">
               <a:rPr lang="fr-FR" smtClean="0"/>
-              <a:t>04/11/2015</a:t>
+              <a:t>10/11/2015</a:t>
             </a:fld>
             <a:endParaRPr lang="fr-FR"/>
           </a:p>
@@ -4962,7 +5218,7 @@
           <a:p>
             <a:fld id="{919AEA9A-171F-4352-A2D5-B0CCB9A41E38}" type="datetimeFigureOut">
               <a:rPr lang="fr-FR" smtClean="0"/>
-              <a:t>04/11/2015</a:t>
+              <a:t>10/11/2015</a:t>
             </a:fld>
             <a:endParaRPr lang="fr-FR"/>
           </a:p>
@@ -5057,7 +5313,7 @@
           <a:p>
             <a:fld id="{919AEA9A-171F-4352-A2D5-B0CCB9A41E38}" type="datetimeFigureOut">
               <a:rPr lang="fr-FR" smtClean="0"/>
-              <a:t>04/11/2015</a:t>
+              <a:t>10/11/2015</a:t>
             </a:fld>
             <a:endParaRPr lang="fr-FR"/>
           </a:p>
@@ -5334,7 +5590,7 @@
           <a:p>
             <a:fld id="{919AEA9A-171F-4352-A2D5-B0CCB9A41E38}" type="datetimeFigureOut">
               <a:rPr lang="fr-FR" smtClean="0"/>
-              <a:t>04/11/2015</a:t>
+              <a:t>10/11/2015</a:t>
             </a:fld>
             <a:endParaRPr lang="fr-FR"/>
           </a:p>
@@ -5587,7 +5843,7 @@
           <a:p>
             <a:fld id="{919AEA9A-171F-4352-A2D5-B0CCB9A41E38}" type="datetimeFigureOut">
               <a:rPr lang="fr-FR" smtClean="0"/>
-              <a:t>04/11/2015</a:t>
+              <a:t>10/11/2015</a:t>
             </a:fld>
             <a:endParaRPr lang="fr-FR"/>
           </a:p>
@@ -5800,7 +6056,7 @@
           <a:p>
             <a:fld id="{919AEA9A-171F-4352-A2D5-B0CCB9A41E38}" type="datetimeFigureOut">
               <a:rPr lang="fr-FR" smtClean="0"/>
-              <a:t>04/11/2015</a:t>
+              <a:t>10/11/2015</a:t>
             </a:fld>
             <a:endParaRPr lang="fr-FR"/>
           </a:p>
@@ -7997,9 +8253,12 @@
               <a:buAutoNum type="arabicPeriod"/>
             </a:pPr>
             <a:r>
-              <a:rPr lang="es-EC" dirty="0" smtClean="0"/>
+              <a:rPr lang="es-EC" dirty="0" smtClean="0">
+                <a:hlinkClick r:id="rId4" action="ppaction://hlinksldjump"/>
+              </a:rPr>
               <a:t>Análisis de Requisitos</a:t>
             </a:r>
+            <a:endParaRPr lang="es-EC" dirty="0" smtClean="0"/>
           </a:p>
           <a:p>
             <a:pPr marL="514350" indent="-514350">
@@ -8775,6 +9034,615 @@
   <p:clrMapOvr>
     <a:masterClrMapping/>
   </p:clrMapOvr>
+  <p:timing>
+    <p:tnLst>
+      <p:par>
+        <p:cTn id="1" dur="indefinite" restart="never" nodeType="tmRoot"/>
+      </p:par>
+    </p:tnLst>
+  </p:timing>
+</p:sld>
+</file>
+
+<file path=ppt/slides/slide27.xml><?xml version="1.0" encoding="utf-8"?>
+<p:sld xmlns:a="http://schemas.openxmlformats.org/drawingml/2006/main" xmlns:r="http://schemas.openxmlformats.org/officeDocument/2006/relationships" xmlns:p="http://schemas.openxmlformats.org/presentationml/2006/main">
+  <p:cSld>
+    <p:spTree>
+      <p:nvGrpSpPr>
+        <p:cNvPr id="1" name=""/>
+        <p:cNvGrpSpPr/>
+        <p:nvPr/>
+      </p:nvGrpSpPr>
+      <p:grpSpPr>
+        <a:xfrm>
+          <a:off x="0" y="0"/>
+          <a:ext cx="0" cy="0"/>
+          <a:chOff x="0" y="0"/>
+          <a:chExt cx="0" cy="0"/>
+        </a:xfrm>
+      </p:grpSpPr>
+      <p:sp>
+        <p:nvSpPr>
+          <p:cNvPr id="2" name="Título 1"/>
+          <p:cNvSpPr>
+            <a:spLocks noGrp="1"/>
+          </p:cNvSpPr>
+          <p:nvPr>
+            <p:ph type="title"/>
+          </p:nvPr>
+        </p:nvSpPr>
+        <p:spPr/>
+        <p:txBody>
+          <a:bodyPr/>
+          <a:lstStyle/>
+          <a:p>
+            <a:r>
+              <a:rPr lang="es-EC" dirty="0" smtClean="0"/>
+              <a:t>Análisis de Requisitos</a:t>
+            </a:r>
+            <a:endParaRPr lang="es-EC" dirty="0"/>
+          </a:p>
+        </p:txBody>
+      </p:sp>
+      <p:sp>
+        <p:nvSpPr>
+          <p:cNvPr id="4" name="Marcador de contenido 3"/>
+          <p:cNvSpPr>
+            <a:spLocks noGrp="1"/>
+          </p:cNvSpPr>
+          <p:nvPr>
+            <p:ph idx="1"/>
+          </p:nvPr>
+        </p:nvSpPr>
+        <p:spPr/>
+        <p:txBody>
+          <a:bodyPr/>
+          <a:lstStyle/>
+          <a:p>
+            <a:pPr marL="514350" indent="-514350">
+              <a:buFont typeface="+mj-lt"/>
+              <a:buAutoNum type="alphaLcParenR"/>
+            </a:pPr>
+            <a:r>
+              <a:rPr lang="es-EC" dirty="0" smtClean="0">
+                <a:hlinkClick r:id="rId3" action="ppaction://hlinksldjump"/>
+              </a:rPr>
+              <a:t>Publicador, Suscriptor y Topic</a:t>
+            </a:r>
+            <a:endParaRPr lang="es-EC" dirty="0" smtClean="0"/>
+          </a:p>
+          <a:p>
+            <a:pPr marL="514350" indent="-514350">
+              <a:buFont typeface="+mj-lt"/>
+              <a:buAutoNum type="alphaLcParenR"/>
+            </a:pPr>
+            <a:r>
+              <a:rPr lang="es-EC" dirty="0" smtClean="0">
+                <a:hlinkClick r:id="rId4" action="ppaction://hlinksldjump"/>
+              </a:rPr>
+              <a:t>Mecanismo y Técnicas para el alcance de la información</a:t>
+            </a:r>
+            <a:endParaRPr lang="es-EC" dirty="0" smtClean="0"/>
+          </a:p>
+          <a:p>
+            <a:pPr marL="514350" indent="-514350">
+              <a:buFont typeface="+mj-lt"/>
+              <a:buAutoNum type="alphaLcParenR"/>
+            </a:pPr>
+            <a:r>
+              <a:rPr lang="es-EC" dirty="0" smtClean="0"/>
+              <a:t>Lectura y Escritura</a:t>
+            </a:r>
+          </a:p>
+          <a:p>
+            <a:pPr marL="514350" indent="-514350">
+              <a:buFont typeface="+mj-lt"/>
+              <a:buAutoNum type="alphaLcParenR"/>
+            </a:pPr>
+            <a:r>
+              <a:rPr lang="es-EC" dirty="0" smtClean="0"/>
+              <a:t>Componentes RTPS</a:t>
+            </a:r>
+            <a:endParaRPr lang="es-EC" dirty="0"/>
+          </a:p>
+        </p:txBody>
+      </p:sp>
+    </p:spTree>
+    <p:extLst>
+      <p:ext uri="{BB962C8B-B14F-4D97-AF65-F5344CB8AC3E}">
+        <p14:creationId xmlns:p14="http://schemas.microsoft.com/office/powerpoint/2010/main" val="3196912726"/>
+      </p:ext>
+    </p:extLst>
+  </p:cSld>
+  <p:clrMapOvr>
+    <a:masterClrMapping/>
+  </p:clrMapOvr>
+  <p:timing>
+    <p:tnLst>
+      <p:par>
+        <p:cTn id="1" dur="indefinite" restart="never" nodeType="tmRoot"/>
+      </p:par>
+    </p:tnLst>
+  </p:timing>
+</p:sld>
+</file>
+
+<file path=ppt/slides/slide28.xml><?xml version="1.0" encoding="utf-8"?>
+<p:sld xmlns:a="http://schemas.openxmlformats.org/drawingml/2006/main" xmlns:r="http://schemas.openxmlformats.org/officeDocument/2006/relationships" xmlns:p="http://schemas.openxmlformats.org/presentationml/2006/main">
+  <p:cSld>
+    <p:spTree>
+      <p:nvGrpSpPr>
+        <p:cNvPr id="1" name=""/>
+        <p:cNvGrpSpPr/>
+        <p:nvPr/>
+      </p:nvGrpSpPr>
+      <p:grpSpPr>
+        <a:xfrm>
+          <a:off x="0" y="0"/>
+          <a:ext cx="0" cy="0"/>
+          <a:chOff x="0" y="0"/>
+          <a:chExt cx="0" cy="0"/>
+        </a:xfrm>
+      </p:grpSpPr>
+      <p:sp>
+        <p:nvSpPr>
+          <p:cNvPr id="2" name="Título 1"/>
+          <p:cNvSpPr>
+            <a:spLocks noGrp="1"/>
+          </p:cNvSpPr>
+          <p:nvPr>
+            <p:ph type="title"/>
+          </p:nvPr>
+        </p:nvSpPr>
+        <p:spPr/>
+        <p:txBody>
+          <a:bodyPr/>
+          <a:lstStyle/>
+          <a:p>
+            <a:r>
+              <a:rPr lang="es-EC" dirty="0" smtClean="0"/>
+              <a:t>Módulo DDS</a:t>
+            </a:r>
+            <a:endParaRPr lang="es-EC" dirty="0"/>
+          </a:p>
+        </p:txBody>
+      </p:sp>
+      <p:graphicFrame>
+        <p:nvGraphicFramePr>
+          <p:cNvPr id="4" name="Marcador de contenido 3"/>
+          <p:cNvGraphicFramePr>
+            <a:graphicFrameLocks noGrp="1"/>
+          </p:cNvGraphicFramePr>
+          <p:nvPr>
+            <p:ph idx="1"/>
+            <p:extLst>
+              <p:ext uri="{D42A27DB-BD31-4B8C-83A1-F6EECF244321}">
+                <p14:modId xmlns:p14="http://schemas.microsoft.com/office/powerpoint/2010/main" val="3472063932"/>
+              </p:ext>
+            </p:extLst>
+          </p:nvPr>
+        </p:nvGraphicFramePr>
+        <p:xfrm>
+          <a:off x="838200" y="1293659"/>
+          <a:ext cx="10515600" cy="5303520"/>
+        </p:xfrm>
+        <a:graphic>
+          <a:graphicData uri="http://schemas.openxmlformats.org/drawingml/2006/table">
+            <a:tbl>
+              <a:tblPr firstRow="1" bandRow="1">
+                <a:tableStyleId>{5C22544A-7EE6-4342-B048-85BDC9FD1C3A}</a:tableStyleId>
+              </a:tblPr>
+              <a:tblGrid>
+                <a:gridCol w="5257800">
+                  <a:extLst>
+                    <a:ext uri="{9D8B030D-6E8A-4147-A177-3AD203B41FA5}">
+                      <a16:colId xmlns:a16="http://schemas.microsoft.com/office/drawing/2014/main" val="658046315"/>
+                    </a:ext>
+                  </a:extLst>
+                </a:gridCol>
+                <a:gridCol w="5257800">
+                  <a:extLst>
+                    <a:ext uri="{9D8B030D-6E8A-4147-A177-3AD203B41FA5}">
+                      <a16:colId xmlns:a16="http://schemas.microsoft.com/office/drawing/2014/main" val="1142200676"/>
+                    </a:ext>
+                  </a:extLst>
+                </a:gridCol>
+              </a:tblGrid>
+              <a:tr h="370840">
+                <a:tc>
+                  <a:txBody>
+                    <a:bodyPr/>
+                    <a:lstStyle/>
+                    <a:p>
+                      <a:r>
+                        <a:rPr lang="es-EC" sz="2400" dirty="0" smtClean="0"/>
+                        <a:t>Componentes</a:t>
+                      </a:r>
+                      <a:endParaRPr lang="es-EC" sz="2400" dirty="0"/>
+                    </a:p>
+                  </a:txBody>
+                  <a:tcPr/>
+                </a:tc>
+                <a:tc>
+                  <a:txBody>
+                    <a:bodyPr/>
+                    <a:lstStyle/>
+                    <a:p>
+                      <a:r>
+                        <a:rPr lang="es-EC" sz="2400" dirty="0" smtClean="0"/>
+                        <a:t>Descripción</a:t>
+                      </a:r>
+                      <a:endParaRPr lang="es-EC" sz="2400" dirty="0"/>
+                    </a:p>
+                  </a:txBody>
+                  <a:tcPr/>
+                </a:tc>
+                <a:extLst>
+                  <a:ext uri="{0D108BD9-81ED-4DB2-BD59-A6C34878D82A}">
+                    <a16:rowId xmlns:a16="http://schemas.microsoft.com/office/drawing/2014/main" val="3463608661"/>
+                  </a:ext>
+                </a:extLst>
+              </a:tr>
+              <a:tr h="370840">
+                <a:tc>
+                  <a:txBody>
+                    <a:bodyPr/>
+                    <a:lstStyle/>
+                    <a:p>
+                      <a:pPr algn="ctr"/>
+                      <a:r>
+                        <a:rPr lang="es-EC" sz="2400" dirty="0" smtClean="0"/>
+                        <a:t>Publicador</a:t>
+                      </a:r>
+                      <a:endParaRPr lang="es-EC" sz="2400" dirty="0"/>
+                    </a:p>
+                  </a:txBody>
+                  <a:tcPr anchor="ctr"/>
+                </a:tc>
+                <a:tc>
+                  <a:txBody>
+                    <a:bodyPr/>
+                    <a:lstStyle/>
+                    <a:p>
+                      <a:r>
+                        <a:rPr lang="es-EC" sz="2400" dirty="0" smtClean="0"/>
+                        <a:t>Responsable de la distribución de Datos</a:t>
+                      </a:r>
+                      <a:endParaRPr lang="es-EC" sz="2400" dirty="0"/>
+                    </a:p>
+                  </a:txBody>
+                  <a:tcPr/>
+                </a:tc>
+                <a:extLst>
+                  <a:ext uri="{0D108BD9-81ED-4DB2-BD59-A6C34878D82A}">
+                    <a16:rowId xmlns:a16="http://schemas.microsoft.com/office/drawing/2014/main" val="3888206199"/>
+                  </a:ext>
+                </a:extLst>
+              </a:tr>
+              <a:tr h="370840">
+                <a:tc>
+                  <a:txBody>
+                    <a:bodyPr/>
+                    <a:lstStyle/>
+                    <a:p>
+                      <a:pPr algn="ctr"/>
+                      <a:r>
+                        <a:rPr lang="es-EC" sz="2400" dirty="0" smtClean="0"/>
+                        <a:t>DataWriter</a:t>
+                      </a:r>
+                      <a:endParaRPr lang="es-EC" sz="2400" dirty="0"/>
+                    </a:p>
+                  </a:txBody>
+                  <a:tcPr anchor="ctr"/>
+                </a:tc>
+                <a:tc>
+                  <a:txBody>
+                    <a:bodyPr/>
+                    <a:lstStyle/>
+                    <a:p>
+                      <a:r>
+                        <a:rPr lang="es-EC" sz="2400" dirty="0" smtClean="0"/>
+                        <a:t>Se encargara de comunicar a un publicador que hay datos</a:t>
+                      </a:r>
+                      <a:endParaRPr lang="es-EC" sz="2400" dirty="0"/>
+                    </a:p>
+                  </a:txBody>
+                  <a:tcPr/>
+                </a:tc>
+                <a:extLst>
+                  <a:ext uri="{0D108BD9-81ED-4DB2-BD59-A6C34878D82A}">
+                    <a16:rowId xmlns:a16="http://schemas.microsoft.com/office/drawing/2014/main" val="396242680"/>
+                  </a:ext>
+                </a:extLst>
+              </a:tr>
+              <a:tr h="370840">
+                <a:tc>
+                  <a:txBody>
+                    <a:bodyPr/>
+                    <a:lstStyle/>
+                    <a:p>
+                      <a:pPr algn="ctr"/>
+                      <a:r>
+                        <a:rPr lang="es-EC" sz="2400" dirty="0" smtClean="0"/>
+                        <a:t>Suscriptor</a:t>
+                      </a:r>
+                      <a:endParaRPr lang="es-EC" sz="2400" dirty="0"/>
+                    </a:p>
+                  </a:txBody>
+                  <a:tcPr anchor="ctr"/>
+                </a:tc>
+                <a:tc>
+                  <a:txBody>
+                    <a:bodyPr/>
+                    <a:lstStyle/>
+                    <a:p>
+                      <a:r>
+                        <a:rPr lang="es-EC" sz="2400" dirty="0" smtClean="0"/>
+                        <a:t>Responsable</a:t>
+                      </a:r>
+                      <a:r>
+                        <a:rPr lang="es-EC" sz="2400" baseline="0" dirty="0" smtClean="0"/>
+                        <a:t> de Recibir los datos publicados</a:t>
+                      </a:r>
+                      <a:endParaRPr lang="es-EC" sz="2400" dirty="0"/>
+                    </a:p>
+                  </a:txBody>
+                  <a:tcPr/>
+                </a:tc>
+                <a:extLst>
+                  <a:ext uri="{0D108BD9-81ED-4DB2-BD59-A6C34878D82A}">
+                    <a16:rowId xmlns:a16="http://schemas.microsoft.com/office/drawing/2014/main" val="3577683618"/>
+                  </a:ext>
+                </a:extLst>
+              </a:tr>
+              <a:tr h="370840">
+                <a:tc>
+                  <a:txBody>
+                    <a:bodyPr/>
+                    <a:lstStyle/>
+                    <a:p>
+                      <a:pPr algn="ctr"/>
+                      <a:r>
+                        <a:rPr lang="es-EC" sz="2400" dirty="0" smtClean="0"/>
+                        <a:t>DataReader</a:t>
+                      </a:r>
+                      <a:endParaRPr lang="es-EC" sz="2400" dirty="0"/>
+                    </a:p>
+                  </a:txBody>
+                  <a:tcPr anchor="ctr"/>
+                </a:tc>
+                <a:tc>
+                  <a:txBody>
+                    <a:bodyPr/>
+                    <a:lstStyle/>
+                    <a:p>
+                      <a:r>
+                        <a:rPr lang="es-EC" sz="2400" dirty="0" smtClean="0"/>
+                        <a:t>Responsable de comunicar al suscriptor que hay datos disponibles</a:t>
+                      </a:r>
+                      <a:endParaRPr lang="es-EC" sz="2400" dirty="0"/>
+                    </a:p>
+                  </a:txBody>
+                  <a:tcPr/>
+                </a:tc>
+                <a:extLst>
+                  <a:ext uri="{0D108BD9-81ED-4DB2-BD59-A6C34878D82A}">
+                    <a16:rowId xmlns:a16="http://schemas.microsoft.com/office/drawing/2014/main" val="3908109959"/>
+                  </a:ext>
+                </a:extLst>
+              </a:tr>
+              <a:tr h="370840">
+                <a:tc>
+                  <a:txBody>
+                    <a:bodyPr/>
+                    <a:lstStyle/>
+                    <a:p>
+                      <a:pPr algn="ctr"/>
+                      <a:endParaRPr lang="es-EC" sz="2400" dirty="0" smtClean="0"/>
+                    </a:p>
+                    <a:p>
+                      <a:pPr algn="ctr"/>
+                      <a:endParaRPr lang="es-EC" sz="2400" dirty="0" smtClean="0"/>
+                    </a:p>
+                    <a:p>
+                      <a:pPr algn="ctr"/>
+                      <a:r>
+                        <a:rPr lang="es-EC" sz="2400" dirty="0" smtClean="0"/>
+                        <a:t>Topic</a:t>
+                      </a:r>
+                    </a:p>
+                    <a:p>
+                      <a:pPr algn="ctr"/>
+                      <a:endParaRPr lang="es-EC" sz="2400" dirty="0" smtClean="0"/>
+                    </a:p>
+                    <a:p>
+                      <a:pPr algn="ctr"/>
+                      <a:endParaRPr lang="es-EC" sz="2400" dirty="0" smtClean="0"/>
+                    </a:p>
+                  </a:txBody>
+                  <a:tcPr anchor="ctr"/>
+                </a:tc>
+                <a:tc>
+                  <a:txBody>
+                    <a:bodyPr/>
+                    <a:lstStyle/>
+                    <a:p>
+                      <a:endParaRPr lang="es-EC" sz="2400" dirty="0"/>
+                    </a:p>
+                  </a:txBody>
+                  <a:tcPr/>
+                </a:tc>
+                <a:extLst>
+                  <a:ext uri="{0D108BD9-81ED-4DB2-BD59-A6C34878D82A}">
+                    <a16:rowId xmlns:a16="http://schemas.microsoft.com/office/drawing/2014/main" val="570755226"/>
+                  </a:ext>
+                </a:extLst>
+              </a:tr>
+            </a:tbl>
+          </a:graphicData>
+        </a:graphic>
+      </p:graphicFrame>
+      <p:pic>
+        <p:nvPicPr>
+          <p:cNvPr id="6" name="Imagen 5"/>
+          <p:cNvPicPr/>
+          <p:nvPr/>
+        </p:nvPicPr>
+        <p:blipFill rotWithShape="1">
+          <a:blip r:embed="rId3">
+            <a:extLst>
+              <a:ext uri="{BEBA8EAE-BF5A-486C-A8C5-ECC9F3942E4B}">
+                <a14:imgProps xmlns:a14="http://schemas.microsoft.com/office/drawing/2010/main">
+                  <a14:imgLayer r:embed="rId4">
+                    <a14:imgEffect>
+                      <a14:sharpenSoften amount="50000"/>
+                    </a14:imgEffect>
+                  </a14:imgLayer>
+                </a14:imgProps>
+              </a:ext>
+              <a:ext uri="{28A0092B-C50C-407E-A947-70E740481C1C}">
+                <a14:useLocalDpi xmlns:a14="http://schemas.microsoft.com/office/drawing/2010/main" val="0"/>
+              </a:ext>
+            </a:extLst>
+          </a:blip>
+          <a:srcRect/>
+          <a:stretch/>
+        </p:blipFill>
+        <p:spPr bwMode="auto">
+          <a:xfrm>
+            <a:off x="6206359" y="4834594"/>
+            <a:ext cx="4991100" cy="1571625"/>
+          </a:xfrm>
+          <a:prstGeom prst="rect">
+            <a:avLst/>
+          </a:prstGeom>
+          <a:ln>
+            <a:noFill/>
+          </a:ln>
+          <a:extLst>
+            <a:ext uri="{53640926-AAD7-44D8-BBD7-CCE9431645EC}">
+              <a14:shadowObscured xmlns:a14="http://schemas.microsoft.com/office/drawing/2010/main"/>
+            </a:ext>
+          </a:extLst>
+        </p:spPr>
+      </p:pic>
+    </p:spTree>
+    <p:extLst>
+      <p:ext uri="{BB962C8B-B14F-4D97-AF65-F5344CB8AC3E}">
+        <p14:creationId xmlns:p14="http://schemas.microsoft.com/office/powerpoint/2010/main" val="2380089951"/>
+      </p:ext>
+    </p:extLst>
+  </p:cSld>
+  <p:clrMapOvr>
+    <a:masterClrMapping/>
+  </p:clrMapOvr>
+  <p:timing>
+    <p:tnLst>
+      <p:par>
+        <p:cTn id="1" dur="indefinite" restart="never" nodeType="tmRoot"/>
+      </p:par>
+    </p:tnLst>
+  </p:timing>
+</p:sld>
+</file>
+
+<file path=ppt/slides/slide29.xml><?xml version="1.0" encoding="utf-8"?>
+<p:sld xmlns:a="http://schemas.openxmlformats.org/drawingml/2006/main" xmlns:r="http://schemas.openxmlformats.org/officeDocument/2006/relationships" xmlns:p="http://schemas.openxmlformats.org/presentationml/2006/main">
+  <p:cSld>
+    <p:spTree>
+      <p:nvGrpSpPr>
+        <p:cNvPr id="1" name=""/>
+        <p:cNvGrpSpPr/>
+        <p:nvPr/>
+      </p:nvGrpSpPr>
+      <p:grpSpPr>
+        <a:xfrm>
+          <a:off x="0" y="0"/>
+          <a:ext cx="0" cy="0"/>
+          <a:chOff x="0" y="0"/>
+          <a:chExt cx="0" cy="0"/>
+        </a:xfrm>
+      </p:grpSpPr>
+      <p:sp>
+        <p:nvSpPr>
+          <p:cNvPr id="2" name="Título 1"/>
+          <p:cNvSpPr>
+            <a:spLocks noGrp="1"/>
+          </p:cNvSpPr>
+          <p:nvPr>
+            <p:ph type="title"/>
+          </p:nvPr>
+        </p:nvSpPr>
+        <p:spPr/>
+        <p:txBody>
+          <a:bodyPr/>
+          <a:lstStyle/>
+          <a:p>
+            <a:r>
+              <a:rPr lang="es-EC" dirty="0" smtClean="0"/>
+              <a:t>Mecanismos y Técnicas para el Alcance de la Información</a:t>
+            </a:r>
+            <a:endParaRPr lang="es-EC" dirty="0"/>
+          </a:p>
+        </p:txBody>
+      </p:sp>
+      <p:sp>
+        <p:nvSpPr>
+          <p:cNvPr id="3" name="Marcador de contenido 2"/>
+          <p:cNvSpPr>
+            <a:spLocks noGrp="1"/>
+          </p:cNvSpPr>
+          <p:nvPr>
+            <p:ph idx="1"/>
+          </p:nvPr>
+        </p:nvSpPr>
+        <p:spPr/>
+        <p:txBody>
+          <a:bodyPr/>
+          <a:lstStyle/>
+          <a:p>
+            <a:r>
+              <a:rPr lang="es-EC" dirty="0"/>
+              <a:t>Los dominios y las particiones serán la manera de organizar los datos. El Topic DDS permitirá crear </a:t>
+            </a:r>
+            <a:r>
+              <a:rPr lang="es-EC" i="1" dirty="0"/>
+              <a:t>topics</a:t>
+            </a:r>
+            <a:r>
+              <a:rPr lang="es-EC" dirty="0"/>
+              <a:t>, que limitará los valores que pueden tomar sus instancias. Al suscribirse a un </a:t>
+            </a:r>
+            <a:r>
+              <a:rPr lang="es-EC" i="1" dirty="0"/>
+              <a:t>topic</a:t>
+            </a:r>
+            <a:r>
+              <a:rPr lang="es-EC" b="1" dirty="0"/>
+              <a:t> </a:t>
+            </a:r>
+            <a:r>
+              <a:rPr lang="es-EC" dirty="0"/>
+              <a:t>una aplicación, sólo recibirá, entre todos los valores publicados aquellos valores que coincidan con el filtro del </a:t>
+            </a:r>
+            <a:r>
+              <a:rPr lang="es-EC" i="1" dirty="0"/>
+              <a:t>topic</a:t>
+            </a:r>
+            <a:endParaRPr lang="es-EC" dirty="0"/>
+          </a:p>
+        </p:txBody>
+      </p:sp>
+    </p:spTree>
+    <p:extLst>
+      <p:ext uri="{BB962C8B-B14F-4D97-AF65-F5344CB8AC3E}">
+        <p14:creationId xmlns:p14="http://schemas.microsoft.com/office/powerpoint/2010/main" val="3378061800"/>
+      </p:ext>
+    </p:extLst>
+  </p:cSld>
+  <p:clrMapOvr>
+    <a:masterClrMapping/>
+  </p:clrMapOvr>
 </p:sld>
 </file>
 
@@ -8898,6 +9766,78 @@
       </p:par>
     </p:tnLst>
   </p:timing>
+</p:sld>
+</file>
+
+<file path=ppt/slides/slide30.xml><?xml version="1.0" encoding="utf-8"?>
+<p:sld xmlns:a="http://schemas.openxmlformats.org/drawingml/2006/main" xmlns:r="http://schemas.openxmlformats.org/officeDocument/2006/relationships" xmlns:p="http://schemas.openxmlformats.org/presentationml/2006/main">
+  <p:cSld>
+    <p:spTree>
+      <p:nvGrpSpPr>
+        <p:cNvPr id="1" name=""/>
+        <p:cNvGrpSpPr/>
+        <p:nvPr/>
+      </p:nvGrpSpPr>
+      <p:grpSpPr>
+        <a:xfrm>
+          <a:off x="0" y="0"/>
+          <a:ext cx="0" cy="0"/>
+          <a:chOff x="0" y="0"/>
+          <a:chExt cx="0" cy="0"/>
+        </a:xfrm>
+      </p:grpSpPr>
+      <p:sp>
+        <p:nvSpPr>
+          <p:cNvPr id="2" name="Título 1"/>
+          <p:cNvSpPr>
+            <a:spLocks noGrp="1"/>
+          </p:cNvSpPr>
+          <p:nvPr>
+            <p:ph type="title"/>
+          </p:nvPr>
+        </p:nvSpPr>
+        <p:spPr/>
+        <p:txBody>
+          <a:bodyPr/>
+          <a:lstStyle/>
+          <a:p>
+            <a:r>
+              <a:rPr lang="es-EC" dirty="0" smtClean="0"/>
+              <a:t>Escritura de Datos</a:t>
+            </a:r>
+            <a:endParaRPr lang="es-EC" dirty="0"/>
+          </a:p>
+        </p:txBody>
+      </p:sp>
+      <p:sp>
+        <p:nvSpPr>
+          <p:cNvPr id="3" name="Marcador de contenido 2"/>
+          <p:cNvSpPr>
+            <a:spLocks noGrp="1"/>
+          </p:cNvSpPr>
+          <p:nvPr>
+            <p:ph idx="1"/>
+          </p:nvPr>
+        </p:nvSpPr>
+        <p:spPr/>
+        <p:txBody>
+          <a:bodyPr/>
+          <a:lstStyle/>
+          <a:p>
+            <a:endParaRPr lang="es-EC"/>
+          </a:p>
+        </p:txBody>
+      </p:sp>
+    </p:spTree>
+    <p:extLst>
+      <p:ext uri="{BB962C8B-B14F-4D97-AF65-F5344CB8AC3E}">
+        <p14:creationId xmlns:p14="http://schemas.microsoft.com/office/powerpoint/2010/main" val="3426340296"/>
+      </p:ext>
+    </p:extLst>
+  </p:cSld>
+  <p:clrMapOvr>
+    <a:masterClrMapping/>
+  </p:clrMapOvr>
 </p:sld>
 </file>
 
